--- a/AI 실전 3주차 - Transfer Learning.pptx
+++ b/AI 실전 3주차 - Transfer Learning.pptx
@@ -19,8 +19,7 @@
     <p:sldId id="260" r:id="rId13"/>
     <p:sldId id="264" r:id="rId14"/>
     <p:sldId id="265" r:id="rId15"/>
-    <p:sldId id="270" r:id="rId16"/>
-    <p:sldId id="271" r:id="rId17"/>
+    <p:sldId id="271" r:id="rId16"/>
   </p:sldIdLst>
   <p:sldSz cx="12192000" cy="6858000"/>
   <p:notesSz cx="6858000" cy="9144000"/>
@@ -274,7 +273,7 @@
           <a:p>
             <a:fld id="{71D6B25D-FD41-4849-AE03-1D097D5377A0}" type="datetimeFigureOut">
               <a:rPr kumimoji="1" lang="ko-KR" altLang="en-US" smtClean="0"/>
-              <a:t>2025. 5. 31.</a:t>
+              <a:t>2025. 6. 1.</a:t>
             </a:fld>
             <a:endParaRPr kumimoji="1" lang="ko-KR" altLang="en-US"/>
           </a:p>
@@ -472,7 +471,7 @@
           <a:p>
             <a:fld id="{71D6B25D-FD41-4849-AE03-1D097D5377A0}" type="datetimeFigureOut">
               <a:rPr kumimoji="1" lang="ko-KR" altLang="en-US" smtClean="0"/>
-              <a:t>2025. 5. 31.</a:t>
+              <a:t>2025. 6. 1.</a:t>
             </a:fld>
             <a:endParaRPr kumimoji="1" lang="ko-KR" altLang="en-US"/>
           </a:p>
@@ -680,7 +679,7 @@
           <a:p>
             <a:fld id="{71D6B25D-FD41-4849-AE03-1D097D5377A0}" type="datetimeFigureOut">
               <a:rPr kumimoji="1" lang="ko-KR" altLang="en-US" smtClean="0"/>
-              <a:t>2025. 5. 31.</a:t>
+              <a:t>2025. 6. 1.</a:t>
             </a:fld>
             <a:endParaRPr kumimoji="1" lang="ko-KR" altLang="en-US"/>
           </a:p>
@@ -878,7 +877,7 @@
           <a:p>
             <a:fld id="{71D6B25D-FD41-4849-AE03-1D097D5377A0}" type="datetimeFigureOut">
               <a:rPr kumimoji="1" lang="ko-KR" altLang="en-US" smtClean="0"/>
-              <a:t>2025. 5. 31.</a:t>
+              <a:t>2025. 6. 1.</a:t>
             </a:fld>
             <a:endParaRPr kumimoji="1" lang="ko-KR" altLang="en-US"/>
           </a:p>
@@ -1153,7 +1152,7 @@
           <a:p>
             <a:fld id="{71D6B25D-FD41-4849-AE03-1D097D5377A0}" type="datetimeFigureOut">
               <a:rPr kumimoji="1" lang="ko-KR" altLang="en-US" smtClean="0"/>
-              <a:t>2025. 5. 31.</a:t>
+              <a:t>2025. 6. 1.</a:t>
             </a:fld>
             <a:endParaRPr kumimoji="1" lang="ko-KR" altLang="en-US"/>
           </a:p>
@@ -1418,7 +1417,7 @@
           <a:p>
             <a:fld id="{71D6B25D-FD41-4849-AE03-1D097D5377A0}" type="datetimeFigureOut">
               <a:rPr kumimoji="1" lang="ko-KR" altLang="en-US" smtClean="0"/>
-              <a:t>2025. 5. 31.</a:t>
+              <a:t>2025. 6. 1.</a:t>
             </a:fld>
             <a:endParaRPr kumimoji="1" lang="ko-KR" altLang="en-US"/>
           </a:p>
@@ -1830,7 +1829,7 @@
           <a:p>
             <a:fld id="{71D6B25D-FD41-4849-AE03-1D097D5377A0}" type="datetimeFigureOut">
               <a:rPr kumimoji="1" lang="ko-KR" altLang="en-US" smtClean="0"/>
-              <a:t>2025. 5. 31.</a:t>
+              <a:t>2025. 6. 1.</a:t>
             </a:fld>
             <a:endParaRPr kumimoji="1" lang="ko-KR" altLang="en-US"/>
           </a:p>
@@ -1971,7 +1970,7 @@
           <a:p>
             <a:fld id="{71D6B25D-FD41-4849-AE03-1D097D5377A0}" type="datetimeFigureOut">
               <a:rPr kumimoji="1" lang="ko-KR" altLang="en-US" smtClean="0"/>
-              <a:t>2025. 5. 31.</a:t>
+              <a:t>2025. 6. 1.</a:t>
             </a:fld>
             <a:endParaRPr kumimoji="1" lang="ko-KR" altLang="en-US"/>
           </a:p>
@@ -2084,7 +2083,7 @@
           <a:p>
             <a:fld id="{71D6B25D-FD41-4849-AE03-1D097D5377A0}" type="datetimeFigureOut">
               <a:rPr kumimoji="1" lang="ko-KR" altLang="en-US" smtClean="0"/>
-              <a:t>2025. 5. 31.</a:t>
+              <a:t>2025. 6. 1.</a:t>
             </a:fld>
             <a:endParaRPr kumimoji="1" lang="ko-KR" altLang="en-US"/>
           </a:p>
@@ -2395,7 +2394,7 @@
           <a:p>
             <a:fld id="{71D6B25D-FD41-4849-AE03-1D097D5377A0}" type="datetimeFigureOut">
               <a:rPr kumimoji="1" lang="ko-KR" altLang="en-US" smtClean="0"/>
-              <a:t>2025. 5. 31.</a:t>
+              <a:t>2025. 6. 1.</a:t>
             </a:fld>
             <a:endParaRPr kumimoji="1" lang="ko-KR" altLang="en-US"/>
           </a:p>
@@ -2683,7 +2682,7 @@
           <a:p>
             <a:fld id="{71D6B25D-FD41-4849-AE03-1D097D5377A0}" type="datetimeFigureOut">
               <a:rPr kumimoji="1" lang="ko-KR" altLang="en-US" smtClean="0"/>
-              <a:t>2025. 5. 31.</a:t>
+              <a:t>2025. 6. 1.</a:t>
             </a:fld>
             <a:endParaRPr kumimoji="1" lang="ko-KR" altLang="en-US"/>
           </a:p>
@@ -2924,7 +2923,7 @@
           <a:p>
             <a:fld id="{71D6B25D-FD41-4849-AE03-1D097D5377A0}" type="datetimeFigureOut">
               <a:rPr kumimoji="1" lang="ko-KR" altLang="en-US" smtClean="0"/>
-              <a:t>2025. 5. 31.</a:t>
+              <a:t>2025. 6. 1.</a:t>
             </a:fld>
             <a:endParaRPr kumimoji="1" lang="ko-KR" altLang="en-US"/>
           </a:p>
@@ -3895,97 +3894,6 @@
 </file>
 
 <file path=ppt/slides/slide15.xml><?xml version="1.0" encoding="utf-8"?>
-<p:sld xmlns:a="http://schemas.openxmlformats.org/drawingml/2006/main" xmlns:r="http://schemas.openxmlformats.org/officeDocument/2006/relationships" xmlns:p="http://schemas.openxmlformats.org/presentationml/2006/main">
-  <p:cSld>
-    <p:spTree>
-      <p:nvGrpSpPr>
-        <p:cNvPr id="1" name=""/>
-        <p:cNvGrpSpPr/>
-        <p:nvPr/>
-      </p:nvGrpSpPr>
-      <p:grpSpPr>
-        <a:xfrm>
-          <a:off x="0" y="0"/>
-          <a:ext cx="0" cy="0"/>
-          <a:chOff x="0" y="0"/>
-          <a:chExt cx="0" cy="0"/>
-        </a:xfrm>
-      </p:grpSpPr>
-      <p:sp>
-        <p:nvSpPr>
-          <p:cNvPr id="2" name="제목 1">
-            <a:extLst>
-              <a:ext uri="{FF2B5EF4-FFF2-40B4-BE49-F238E27FC236}">
-                <a16:creationId xmlns:a16="http://schemas.microsoft.com/office/drawing/2014/main" id="{F89C360B-9EC0-B9E0-0545-66FAC90E4A95}"/>
-              </a:ext>
-            </a:extLst>
-          </p:cNvPr>
-          <p:cNvSpPr>
-            <a:spLocks noGrp="1"/>
-          </p:cNvSpPr>
-          <p:nvPr>
-            <p:ph type="title"/>
-          </p:nvPr>
-        </p:nvSpPr>
-        <p:spPr/>
-        <p:txBody>
-          <a:bodyPr/>
-          <a:lstStyle/>
-          <a:p>
-            <a:r>
-              <a:rPr kumimoji="1" lang="en-US" altLang="ko-KR" dirty="0"/>
-              <a:t>4.</a:t>
-            </a:r>
-            <a:r>
-              <a:rPr kumimoji="1" lang="ko-KR" altLang="en-US" dirty="0"/>
-              <a:t> 모델 학습 함수</a:t>
-            </a:r>
-          </a:p>
-        </p:txBody>
-      </p:sp>
-      <p:pic>
-        <p:nvPicPr>
-          <p:cNvPr id="5" name="내용 개체 틀 4" descr="텍스트, 스크린샷, 소프트웨어, 멀티미디어 소프트웨어이(가) 표시된 사진&#10;&#10;AI 생성 콘텐츠는 정확하지 않을 수 있습니다.">
-            <a:extLst>
-              <a:ext uri="{FF2B5EF4-FFF2-40B4-BE49-F238E27FC236}">
-                <a16:creationId xmlns:a16="http://schemas.microsoft.com/office/drawing/2014/main" id="{97E17B1B-97F0-B34C-D1DA-37BC8FED602D}"/>
-              </a:ext>
-            </a:extLst>
-          </p:cNvPr>
-          <p:cNvPicPr>
-            <a:picLocks noGrp="1" noChangeAspect="1"/>
-          </p:cNvPicPr>
-          <p:nvPr>
-            <p:ph idx="1"/>
-          </p:nvPr>
-        </p:nvPicPr>
-        <p:blipFill>
-          <a:blip r:embed="rId2"/>
-          <a:stretch>
-            <a:fillRect/>
-          </a:stretch>
-        </p:blipFill>
-        <p:spPr>
-          <a:xfrm>
-            <a:off x="2020219" y="1253331"/>
-            <a:ext cx="8151561" cy="5239544"/>
-          </a:xfrm>
-        </p:spPr>
-      </p:pic>
-    </p:spTree>
-    <p:extLst>
-      <p:ext uri="{BB962C8B-B14F-4D97-AF65-F5344CB8AC3E}">
-        <p14:creationId xmlns:p14="http://schemas.microsoft.com/office/powerpoint/2010/main" val="2959560300"/>
-      </p:ext>
-    </p:extLst>
-  </p:cSld>
-  <p:clrMapOvr>
-    <a:masterClrMapping/>
-  </p:clrMapOvr>
-</p:sld>
-</file>
-
-<file path=ppt/slides/slide16.xml><?xml version="1.0" encoding="utf-8"?>
 <p:sld xmlns:a="http://schemas.openxmlformats.org/drawingml/2006/main" xmlns:r="http://schemas.openxmlformats.org/officeDocument/2006/relationships" xmlns:p="http://schemas.openxmlformats.org/presentationml/2006/main">
   <p:cSld>
     <p:spTree>
